--- a/Securing Network with SSL.pptx
+++ b/Securing Network with SSL.pptx
@@ -5,7 +5,7 @@
     <p:sldMasterId id="2147483807" r:id="rId1"/>
   </p:sldMasterIdLst>
   <p:notesMasterIdLst>
-    <p:notesMasterId r:id="rId17"/>
+    <p:notesMasterId r:id="rId19"/>
   </p:notesMasterIdLst>
   <p:sldIdLst>
     <p:sldId id="256" r:id="rId2"/>
@@ -23,6 +23,8 @@
     <p:sldId id="271" r:id="rId14"/>
     <p:sldId id="272" r:id="rId15"/>
     <p:sldId id="273" r:id="rId16"/>
+    <p:sldId id="274" r:id="rId17"/>
+    <p:sldId id="275" r:id="rId18"/>
   </p:sldIdLst>
   <p:sldSz cx="12192000" cy="6858000"/>
   <p:notesSz cx="6858000" cy="9144000"/>
@@ -156,12 +158,17 @@
             <p14:sldId id="271"/>
             <p14:sldId id="272"/>
             <p14:sldId id="273"/>
+            <p14:sldId id="274"/>
+            <p14:sldId id="275"/>
           </p14:sldIdLst>
         </p14:section>
       </p14:sectionLst>
     </p:ext>
     <p:ext uri="{EFAFB233-063F-42B5-8137-9DF3F51BA10A}">
       <p15:sldGuideLst xmlns:p15="http://schemas.microsoft.com/office/powerpoint/2012/main"/>
+    </p:ext>
+    <p:ext uri="{2D200454-40CA-4A62-9FC3-DE9A4176ACB9}">
+      <p15:notesGuideLst xmlns:p15="http://schemas.microsoft.com/office/powerpoint/2012/main"/>
     </p:ext>
   </p:extLst>
 </p:presentation>
@@ -248,7 +255,7 @@
               <a:cs typeface="+mn-cs"/>
             </a:defRPr>
           </a:pPr>
-          <a:endParaRPr lang="en-US"/>
+          <a:endParaRPr lang="zh-CN"/>
         </a:p>
       </c:txPr>
     </c:title>
@@ -502,7 +509,7 @@
                 <a:cs typeface="+mn-cs"/>
               </a:defRPr>
             </a:pPr>
-            <a:endParaRPr lang="en-US"/>
+            <a:endParaRPr lang="zh-CN"/>
           </a:p>
         </c:txPr>
         <c:crossAx val="44144784"/>
@@ -561,7 +568,7 @@
                 <a:cs typeface="+mn-cs"/>
               </a:defRPr>
             </a:pPr>
-            <a:endParaRPr lang="en-US"/>
+            <a:endParaRPr lang="zh-CN"/>
           </a:p>
         </c:txPr>
         <c:crossAx val="1812567424"/>
@@ -611,7 +618,7 @@
               <a:cs typeface="+mn-cs"/>
             </a:defRPr>
           </a:pPr>
-          <a:endParaRPr lang="en-US"/>
+          <a:endParaRPr lang="zh-CN"/>
         </a:p>
       </c:txPr>
     </c:legend>
@@ -640,7 +647,7 @@
       <a:pPr>
         <a:defRPr/>
       </a:pPr>
-      <a:endParaRPr lang="en-US"/>
+      <a:endParaRPr lang="zh-CN"/>
     </a:p>
   </c:txPr>
   <c:externalData r:id="rId3">
@@ -1274,7 +1281,7 @@
           <a:p>
             <a:fld id="{E9BC639D-A67B-494B-A188-388628D42926}" type="datetimeFigureOut">
               <a:rPr lang="en-CA" smtClean="0"/>
-              <a:t>2021-03-09</a:t>
+              <a:t>2021-03-11</a:t>
             </a:fld>
             <a:endParaRPr lang="en-CA"/>
           </a:p>
@@ -2034,7 +2041,7 @@
           <a:p>
             <a:fld id="{02AC24A9-CCB6-4F8D-B8DB-C2F3692CFA5A}" type="datetimeFigureOut">
               <a:rPr lang="en-US" smtClean="0"/>
-              <a:t>3/9/2021</a:t>
+              <a:t>3/11/2021</a:t>
             </a:fld>
             <a:endParaRPr lang="en-US" dirty="0"/>
           </a:p>
@@ -2404,7 +2411,7 @@
           <a:p>
             <a:fld id="{02AC24A9-CCB6-4F8D-B8DB-C2F3692CFA5A}" type="datetimeFigureOut">
               <a:rPr lang="en-US" smtClean="0"/>
-              <a:t>3/9/2021</a:t>
+              <a:t>3/11/2021</a:t>
             </a:fld>
             <a:endParaRPr lang="en-US"/>
           </a:p>
@@ -2613,7 +2620,7 @@
           <a:p>
             <a:fld id="{02AC24A9-CCB6-4F8D-B8DB-C2F3692CFA5A}" type="datetimeFigureOut">
               <a:rPr lang="en-US" smtClean="0"/>
-              <a:t>3/9/2021</a:t>
+              <a:t>3/11/2021</a:t>
             </a:fld>
             <a:endParaRPr lang="en-US"/>
           </a:p>
@@ -3083,7 +3090,7 @@
           <a:p>
             <a:fld id="{02AC24A9-CCB6-4F8D-B8DB-C2F3692CFA5A}" type="datetimeFigureOut">
               <a:rPr lang="en-US" smtClean="0"/>
-              <a:t>3/9/2021</a:t>
+              <a:t>3/11/2021</a:t>
             </a:fld>
             <a:endParaRPr lang="en-US"/>
           </a:p>
@@ -3537,7 +3544,7 @@
           <a:p>
             <a:fld id="{02AC24A9-CCB6-4F8D-B8DB-C2F3692CFA5A}" type="datetimeFigureOut">
               <a:rPr lang="en-US" smtClean="0"/>
-              <a:t>3/9/2021</a:t>
+              <a:t>3/11/2021</a:t>
             </a:fld>
             <a:endParaRPr lang="en-US"/>
           </a:p>
@@ -4069,7 +4076,7 @@
           <a:p>
             <a:fld id="{02AC24A9-CCB6-4F8D-B8DB-C2F3692CFA5A}" type="datetimeFigureOut">
               <a:rPr lang="en-US" smtClean="0"/>
-              <a:t>3/9/2021</a:t>
+              <a:t>3/11/2021</a:t>
             </a:fld>
             <a:endParaRPr lang="en-US"/>
           </a:p>
@@ -4768,7 +4775,7 @@
           <a:p>
             <a:fld id="{02AC24A9-CCB6-4F8D-B8DB-C2F3692CFA5A}" type="datetimeFigureOut">
               <a:rPr lang="en-US" smtClean="0"/>
-              <a:t>3/9/2021</a:t>
+              <a:t>3/11/2021</a:t>
             </a:fld>
             <a:endParaRPr lang="en-US"/>
           </a:p>
@@ -5097,7 +5104,7 @@
           <a:p>
             <a:fld id="{02AC24A9-CCB6-4F8D-B8DB-C2F3692CFA5A}" type="datetimeFigureOut">
               <a:rPr lang="en-US" smtClean="0"/>
-              <a:t>3/9/2021</a:t>
+              <a:t>3/11/2021</a:t>
             </a:fld>
             <a:endParaRPr lang="en-US"/>
           </a:p>
@@ -5210,7 +5217,7 @@
           <a:p>
             <a:fld id="{02AC24A9-CCB6-4F8D-B8DB-C2F3692CFA5A}" type="datetimeFigureOut">
               <a:rPr lang="en-US" smtClean="0"/>
-              <a:t>3/9/2021</a:t>
+              <a:t>3/11/2021</a:t>
             </a:fld>
             <a:endParaRPr lang="en-US"/>
           </a:p>
@@ -5705,7 +5712,7 @@
           <a:p>
             <a:fld id="{02AC24A9-CCB6-4F8D-B8DB-C2F3692CFA5A}" type="datetimeFigureOut">
               <a:rPr lang="en-US" smtClean="0"/>
-              <a:t>3/9/2021</a:t>
+              <a:t>3/11/2021</a:t>
             </a:fld>
             <a:endParaRPr lang="en-US" dirty="0"/>
           </a:p>
@@ -6182,7 +6189,7 @@
           <a:p>
             <a:fld id="{02AC24A9-CCB6-4F8D-B8DB-C2F3692CFA5A}" type="datetimeFigureOut">
               <a:rPr lang="en-US" smtClean="0"/>
-              <a:t>3/9/2021</a:t>
+              <a:t>3/11/2021</a:t>
             </a:fld>
             <a:endParaRPr lang="en-US"/>
           </a:p>
@@ -6425,7 +6432,7 @@
           <a:p>
             <a:fld id="{02AC24A9-CCB6-4F8D-B8DB-C2F3692CFA5A}" type="datetimeFigureOut">
               <a:rPr lang="en-US" smtClean="0"/>
-              <a:t>3/9/2021</a:t>
+              <a:t>3/11/2021</a:t>
             </a:fld>
             <a:endParaRPr lang="en-US"/>
           </a:p>
@@ -7468,8 +7475,8 @@
           </a:p>
         </p:txBody>
       </p:sp>
-      <mc:AlternateContent xmlns:mc="http://schemas.openxmlformats.org/markup-compatibility/2006">
-        <mc:Choice xmlns:pslz="http://schemas.microsoft.com/office/powerpoint/2016/slidezoom" Requires="pslz">
+      <mc:AlternateContent xmlns:mc="http://schemas.openxmlformats.org/markup-compatibility/2006" xmlns:pslz="http://schemas.microsoft.com/office/powerpoint/2016/slidezoom">
+        <mc:Choice Requires="pslz">
           <p:graphicFrame>
             <p:nvGraphicFramePr>
               <p:cNvPr id="14" name="Slide Zoom 13">
@@ -7526,7 +7533,7 @@
             </a:graphic>
           </p:graphicFrame>
         </mc:Choice>
-        <mc:Fallback>
+        <mc:Fallback xmlns="">
           <p:pic>
             <p:nvPicPr>
               <p:cNvPr id="14" name="Slide Zoom 13">
@@ -7543,7 +7550,7 @@
               <p:nvPr/>
             </p:nvPicPr>
             <p:blipFill>
-              <a:blip r:embed="rId2"/>
+              <a:blip r:embed="rId4"/>
               <a:stretch>
                 <a:fillRect/>
               </a:stretch>
@@ -7565,8 +7572,8 @@
           </p:pic>
         </mc:Fallback>
       </mc:AlternateContent>
-      <mc:AlternateContent xmlns:mc="http://schemas.openxmlformats.org/markup-compatibility/2006">
-        <mc:Choice xmlns:pslz="http://schemas.microsoft.com/office/powerpoint/2016/slidezoom" Requires="pslz">
+      <mc:AlternateContent xmlns:mc="http://schemas.openxmlformats.org/markup-compatibility/2006" xmlns:pslz="http://schemas.microsoft.com/office/powerpoint/2016/slidezoom">
+        <mc:Choice Requires="pslz">
           <p:graphicFrame>
             <p:nvGraphicFramePr>
               <p:cNvPr id="16" name="Slide Zoom 15">
@@ -7597,7 +7604,7 @@
                   <pslz:sldZmObj sldId="270" cId="1811922097">
                     <pslz:zmPr id="{7529E6DD-5674-463E-BC14-0DD200677212}" returnToParent="0" transitionDur="1000">
                       <p166:blipFill xmlns:p166="http://schemas.microsoft.com/office/powerpoint/2016/6/main">
-                        <a:blip r:embed="rId4"/>
+                        <a:blip r:embed="rId5"/>
                         <a:stretch>
                           <a:fillRect/>
                         </a:stretch>
@@ -7623,11 +7630,11 @@
             </a:graphic>
           </p:graphicFrame>
         </mc:Choice>
-        <mc:Fallback>
+        <mc:Fallback xmlns="">
           <p:pic>
             <p:nvPicPr>
               <p:cNvPr id="16" name="Slide Zoom 15">
-                <a:hlinkClick r:id="rId5" action="ppaction://hlinksldjump"/>
+                <a:hlinkClick r:id="rId6" action="ppaction://hlinksldjump"/>
                 <a:extLst>
                   <a:ext uri="{FF2B5EF4-FFF2-40B4-BE49-F238E27FC236}">
                     <a16:creationId xmlns:a16="http://schemas.microsoft.com/office/drawing/2014/main" id="{063DD6BF-9A98-4D37-BEC3-510BAC4E450C}"/>
@@ -7640,7 +7647,7 @@
               <p:nvPr/>
             </p:nvPicPr>
             <p:blipFill>
-              <a:blip r:embed="rId4"/>
+              <a:blip r:embed="rId7"/>
               <a:stretch>
                 <a:fillRect/>
               </a:stretch>
@@ -7662,8 +7669,8 @@
           </p:pic>
         </mc:Fallback>
       </mc:AlternateContent>
-      <mc:AlternateContent xmlns:mc="http://schemas.openxmlformats.org/markup-compatibility/2006">
-        <mc:Choice xmlns:pslz="http://schemas.microsoft.com/office/powerpoint/2016/slidezoom" Requires="pslz">
+      <mc:AlternateContent xmlns:mc="http://schemas.openxmlformats.org/markup-compatibility/2006" xmlns:pslz="http://schemas.microsoft.com/office/powerpoint/2016/slidezoom">
+        <mc:Choice Requires="pslz">
           <p:graphicFrame>
             <p:nvGraphicFramePr>
               <p:cNvPr id="18" name="Slide Zoom 17">
@@ -7694,7 +7701,7 @@
                   <pslz:sldZmObj sldId="271" cId="1136168577">
                     <pslz:zmPr id="{002A50AF-40BF-494B-A70B-DC761A95E219}" returnToParent="0" transitionDur="1000">
                       <p166:blipFill xmlns:p166="http://schemas.microsoft.com/office/powerpoint/2016/6/main">
-                        <a:blip r:embed="rId6"/>
+                        <a:blip r:embed="rId8"/>
                         <a:stretch>
                           <a:fillRect/>
                         </a:stretch>
@@ -7720,11 +7727,11 @@
             </a:graphic>
           </p:graphicFrame>
         </mc:Choice>
-        <mc:Fallback>
+        <mc:Fallback xmlns="">
           <p:pic>
             <p:nvPicPr>
               <p:cNvPr id="18" name="Slide Zoom 17">
-                <a:hlinkClick r:id="rId7" action="ppaction://hlinksldjump"/>
+                <a:hlinkClick r:id="rId9" action="ppaction://hlinksldjump"/>
                 <a:extLst>
                   <a:ext uri="{FF2B5EF4-FFF2-40B4-BE49-F238E27FC236}">
                     <a16:creationId xmlns:a16="http://schemas.microsoft.com/office/drawing/2014/main" id="{BCB94CF3-9870-434D-9236-7FA01F561C68}"/>
@@ -7737,7 +7744,7 @@
               <p:nvPr/>
             </p:nvPicPr>
             <p:blipFill>
-              <a:blip r:embed="rId6"/>
+              <a:blip r:embed="rId10"/>
               <a:stretch>
                 <a:fillRect/>
               </a:stretch>
@@ -7759,8 +7766,8 @@
           </p:pic>
         </mc:Fallback>
       </mc:AlternateContent>
-      <mc:AlternateContent xmlns:mc="http://schemas.openxmlformats.org/markup-compatibility/2006">
-        <mc:Choice xmlns:pslz="http://schemas.microsoft.com/office/powerpoint/2016/slidezoom" Requires="pslz">
+      <mc:AlternateContent xmlns:mc="http://schemas.openxmlformats.org/markup-compatibility/2006" xmlns:pslz="http://schemas.microsoft.com/office/powerpoint/2016/slidezoom">
+        <mc:Choice Requires="pslz">
           <p:graphicFrame>
             <p:nvGraphicFramePr>
               <p:cNvPr id="20" name="Slide Zoom 19">
@@ -7791,7 +7798,7 @@
                   <pslz:sldZmObj sldId="272" cId="777990865">
                     <pslz:zmPr id="{E4D75834-B21A-46F6-AC1E-33C3B4913E88}" returnToParent="0" transitionDur="1000">
                       <p166:blipFill xmlns:p166="http://schemas.microsoft.com/office/powerpoint/2016/6/main">
-                        <a:blip r:embed="rId8"/>
+                        <a:blip r:embed="rId11"/>
                         <a:stretch>
                           <a:fillRect/>
                         </a:stretch>
@@ -7817,11 +7824,11 @@
             </a:graphic>
           </p:graphicFrame>
         </mc:Choice>
-        <mc:Fallback>
+        <mc:Fallback xmlns="">
           <p:pic>
             <p:nvPicPr>
               <p:cNvPr id="20" name="Slide Zoom 19">
-                <a:hlinkClick r:id="rId9" action="ppaction://hlinksldjump"/>
+                <a:hlinkClick r:id="rId12" action="ppaction://hlinksldjump"/>
                 <a:extLst>
                   <a:ext uri="{FF2B5EF4-FFF2-40B4-BE49-F238E27FC236}">
                     <a16:creationId xmlns:a16="http://schemas.microsoft.com/office/drawing/2014/main" id="{30AB8FF1-BAED-45CE-A212-12D3C1F4A0C9}"/>
@@ -7834,7 +7841,7 @@
               <p:nvPr/>
             </p:nvPicPr>
             <p:blipFill>
-              <a:blip r:embed="rId8"/>
+              <a:blip r:embed="rId13"/>
               <a:stretch>
                 <a:fillRect/>
               </a:stretch>
@@ -9977,6 +9984,253 @@
 </p:sld>
 </file>
 
+<file path=ppt/slides/slide16.xml><?xml version="1.0" encoding="utf-8"?>
+<p:sld xmlns:a="http://schemas.openxmlformats.org/drawingml/2006/main" xmlns:r="http://schemas.openxmlformats.org/officeDocument/2006/relationships" xmlns:p="http://schemas.openxmlformats.org/presentationml/2006/main">
+  <p:cSld>
+    <p:spTree>
+      <p:nvGrpSpPr>
+        <p:cNvPr id="1" name=""/>
+        <p:cNvGrpSpPr/>
+        <p:nvPr/>
+      </p:nvGrpSpPr>
+      <p:grpSpPr>
+        <a:xfrm>
+          <a:off x="0" y="0"/>
+          <a:ext cx="0" cy="0"/>
+          <a:chOff x="0" y="0"/>
+          <a:chExt cx="0" cy="0"/>
+        </a:xfrm>
+      </p:grpSpPr>
+      <p:sp>
+        <p:nvSpPr>
+          <p:cNvPr id="2" name="Title 1">
+            <a:extLst>
+              <a:ext uri="{FF2B5EF4-FFF2-40B4-BE49-F238E27FC236}">
+                <a16:creationId xmlns:a16="http://schemas.microsoft.com/office/drawing/2014/main" id="{3DE32408-6364-4ACF-AA9B-FB61B5CAF3A3}"/>
+              </a:ext>
+            </a:extLst>
+          </p:cNvPr>
+          <p:cNvSpPr>
+            <a:spLocks noGrp="1"/>
+          </p:cNvSpPr>
+          <p:nvPr>
+            <p:ph type="title"/>
+          </p:nvPr>
+        </p:nvSpPr>
+        <p:spPr/>
+        <p:txBody>
+          <a:bodyPr/>
+          <a:lstStyle/>
+          <a:p>
+            <a:r>
+              <a:rPr lang="en-US" dirty="0"/>
+              <a:t>M</a:t>
+            </a:r>
+            <a:r>
+              <a:rPr lang="en-US" altLang="zh-CN" dirty="0"/>
+              <a:t>erits and Demerits of</a:t>
+            </a:r>
+            <a:r>
+              <a:rPr lang="en-US" dirty="0"/>
+              <a:t> OpenSSL</a:t>
+            </a:r>
+            <a:endParaRPr lang="en-CA" dirty="0"/>
+          </a:p>
+        </p:txBody>
+      </p:sp>
+      <p:sp>
+        <p:nvSpPr>
+          <p:cNvPr id="3" name="Content Placeholder 2">
+            <a:extLst>
+              <a:ext uri="{FF2B5EF4-FFF2-40B4-BE49-F238E27FC236}">
+                <a16:creationId xmlns:a16="http://schemas.microsoft.com/office/drawing/2014/main" id="{60D75E65-F806-4CA1-8EB5-4BAD84DB1CF6}"/>
+              </a:ext>
+            </a:extLst>
+          </p:cNvPr>
+          <p:cNvSpPr>
+            <a:spLocks noGrp="1"/>
+          </p:cNvSpPr>
+          <p:nvPr>
+            <p:ph idx="1"/>
+          </p:nvPr>
+        </p:nvSpPr>
+        <p:spPr>
+          <a:xfrm>
+            <a:off x="1115568" y="2071025"/>
+            <a:ext cx="10168128" cy="4335831"/>
+          </a:xfrm>
+        </p:spPr>
+        <p:txBody>
+          <a:bodyPr/>
+          <a:lstStyle/>
+          <a:p>
+            <a:r>
+              <a:rPr lang="en-US" sz="2400" b="1" dirty="0"/>
+              <a:t>Merits</a:t>
+            </a:r>
+          </a:p>
+          <a:p>
+            <a:r>
+              <a:rPr lang="en-US" sz="2400" dirty="0"/>
+              <a:t>It is open-source and free of charge.</a:t>
+            </a:r>
+          </a:p>
+          <a:p>
+            <a:r>
+              <a:rPr lang="en-US" sz="2400" dirty="0"/>
+              <a:t>It has wide functionality, supports many protocols and algorithms.</a:t>
+            </a:r>
+          </a:p>
+          <a:p>
+            <a:r>
+              <a:rPr lang="en-US" sz="2400" dirty="0"/>
+              <a:t>It is written in C, has </a:t>
+            </a:r>
+            <a:r>
+              <a:rPr lang="en-US" altLang="zh-CN" sz="2400" dirty="0"/>
+              <a:t>Multi-platform adaptation.</a:t>
+            </a:r>
+          </a:p>
+          <a:p>
+            <a:endParaRPr lang="en-US" sz="800" b="1" dirty="0"/>
+          </a:p>
+          <a:p>
+            <a:r>
+              <a:rPr lang="en-US" sz="2400" b="1" dirty="0"/>
+              <a:t>Demerits</a:t>
+            </a:r>
+          </a:p>
+          <a:p>
+            <a:r>
+              <a:rPr lang="en-US" sz="2400" dirty="0"/>
+              <a:t>Insufficient documentation adds difficulty for using.</a:t>
+            </a:r>
+          </a:p>
+          <a:p>
+            <a:r>
+              <a:rPr lang="en-US" sz="2400" dirty="0"/>
+              <a:t>The quality of code in parts of the library is not good(easy to be hacked). </a:t>
+            </a:r>
+          </a:p>
+        </p:txBody>
+      </p:sp>
+    </p:spTree>
+    <p:extLst>
+      <p:ext uri="{BB962C8B-B14F-4D97-AF65-F5344CB8AC3E}">
+        <p14:creationId xmlns:p14="http://schemas.microsoft.com/office/powerpoint/2010/main" val="1033834966"/>
+      </p:ext>
+    </p:extLst>
+  </p:cSld>
+  <p:clrMapOvr>
+    <a:masterClrMapping/>
+  </p:clrMapOvr>
+</p:sld>
+</file>
+
+<file path=ppt/slides/slide17.xml><?xml version="1.0" encoding="utf-8"?>
+<p:sld xmlns:a="http://schemas.openxmlformats.org/drawingml/2006/main" xmlns:r="http://schemas.openxmlformats.org/officeDocument/2006/relationships" xmlns:p="http://schemas.openxmlformats.org/presentationml/2006/main">
+  <p:cSld>
+    <p:spTree>
+      <p:nvGrpSpPr>
+        <p:cNvPr id="1" name=""/>
+        <p:cNvGrpSpPr/>
+        <p:nvPr/>
+      </p:nvGrpSpPr>
+      <p:grpSpPr>
+        <a:xfrm>
+          <a:off x="0" y="0"/>
+          <a:ext cx="0" cy="0"/>
+          <a:chOff x="0" y="0"/>
+          <a:chExt cx="0" cy="0"/>
+        </a:xfrm>
+      </p:grpSpPr>
+      <p:pic>
+        <p:nvPicPr>
+          <p:cNvPr id="6" name="Picture 5" descr="A picture containing text, electronics, circuit&#10;&#10;Description automatically generated">
+            <a:extLst>
+              <a:ext uri="{FF2B5EF4-FFF2-40B4-BE49-F238E27FC236}">
+                <a16:creationId xmlns:a16="http://schemas.microsoft.com/office/drawing/2014/main" id="{08D5816D-2CE6-4898-82F0-20C74A788F5A}"/>
+              </a:ext>
+            </a:extLst>
+          </p:cNvPr>
+          <p:cNvPicPr>
+            <a:picLocks noChangeAspect="1"/>
+          </p:cNvPicPr>
+          <p:nvPr/>
+        </p:nvPicPr>
+        <p:blipFill rotWithShape="1">
+          <a:blip r:embed="rId2"/>
+          <a:srcRect l="18268" r="10632"/>
+          <a:stretch/>
+        </p:blipFill>
+        <p:spPr>
+          <a:xfrm>
+            <a:off x="3523488" y="10"/>
+            <a:ext cx="8668512" cy="6857990"/>
+          </a:xfrm>
+          <a:prstGeom prst="rect">
+            <a:avLst/>
+          </a:prstGeom>
+        </p:spPr>
+      </p:pic>
+      <p:sp>
+        <p:nvSpPr>
+          <p:cNvPr id="2" name="Title 1"/>
+          <p:cNvSpPr>
+            <a:spLocks noGrp="1"/>
+          </p:cNvSpPr>
+          <p:nvPr>
+            <p:ph type="ctrTitle"/>
+          </p:nvPr>
+        </p:nvSpPr>
+        <p:spPr>
+          <a:xfrm>
+            <a:off x="224483" y="1819480"/>
+            <a:ext cx="4023360" cy="2399435"/>
+          </a:xfrm>
+        </p:spPr>
+        <p:txBody>
+          <a:bodyPr anchor="b">
+            <a:noAutofit/>
+          </a:bodyPr>
+          <a:lstStyle/>
+          <a:p>
+            <a:r>
+              <a:rPr lang="en-US" sz="7200" dirty="0"/>
+              <a:t>T</a:t>
+            </a:r>
+            <a:r>
+              <a:rPr lang="en-US" altLang="zh-CN" sz="7200" dirty="0"/>
+              <a:t>hank</a:t>
+            </a:r>
+            <a:br>
+              <a:rPr lang="en-US" altLang="zh-CN" sz="7200" dirty="0"/>
+            </a:br>
+            <a:r>
+              <a:rPr lang="en-US" altLang="zh-CN" sz="7200" dirty="0"/>
+              <a:t> You</a:t>
+            </a:r>
+            <a:r>
+              <a:rPr lang="zh-CN" altLang="en-US" sz="7200" dirty="0"/>
+              <a:t>！</a:t>
+            </a:r>
+            <a:endParaRPr lang="en-US" sz="7200" dirty="0"/>
+          </a:p>
+        </p:txBody>
+      </p:sp>
+    </p:spTree>
+    <p:extLst>
+      <p:ext uri="{BB962C8B-B14F-4D97-AF65-F5344CB8AC3E}">
+        <p14:creationId xmlns:p14="http://schemas.microsoft.com/office/powerpoint/2010/main" val="1349646223"/>
+      </p:ext>
+    </p:extLst>
+  </p:cSld>
+  <p:clrMapOvr>
+    <a:masterClrMapping/>
+  </p:clrMapOvr>
+</p:sld>
+</file>
+
 <file path=ppt/slides/slide2.xml><?xml version="1.0" encoding="utf-8"?>
 <p:sld xmlns:a="http://schemas.openxmlformats.org/drawingml/2006/main" xmlns:r="http://schemas.openxmlformats.org/officeDocument/2006/relationships" xmlns:p="http://schemas.openxmlformats.org/presentationml/2006/main">
   <p:cSld>
@@ -12751,8 +13005,8 @@
           </a:p>
         </p:txBody>
       </p:sp>
-      <mc:AlternateContent xmlns:mc="http://schemas.openxmlformats.org/markup-compatibility/2006">
-        <mc:Choice xmlns:psez="http://schemas.microsoft.com/office/powerpoint/2016/sectionzoom" Requires="psez">
+      <mc:AlternateContent xmlns:mc="http://schemas.openxmlformats.org/markup-compatibility/2006" xmlns:psez="http://schemas.microsoft.com/office/powerpoint/2016/sectionzoom">
+        <mc:Choice Requires="psez">
           <p:graphicFrame>
             <p:nvGraphicFramePr>
               <p:cNvPr id="5" name="Section Zoom 4">
@@ -12809,7 +13063,7 @@
             </a:graphic>
           </p:graphicFrame>
         </mc:Choice>
-        <mc:Fallback>
+        <mc:Fallback xmlns="">
           <p:pic>
             <p:nvPicPr>
               <p:cNvPr id="5" name="Section Zoom 4">
@@ -12826,7 +13080,7 @@
               <p:nvPr/>
             </p:nvPicPr>
             <p:blipFill>
-              <a:blip r:embed="rId2"/>
+              <a:blip r:embed="rId4"/>
               <a:stretch>
                 <a:fillRect/>
               </a:stretch>
